--- a/slides/15-FileIO.pptx
+++ b/slides/15-FileIO.pptx
@@ -7,10 +7,13 @@
   <p:sldIdLst>
     <p:sldId id="256" r:id="rId2"/>
     <p:sldId id="257" r:id="rId3"/>
-    <p:sldId id="258" r:id="rId4"/>
-    <p:sldId id="260" r:id="rId5"/>
-    <p:sldId id="259" r:id="rId6"/>
-    <p:sldId id="261" r:id="rId7"/>
+    <p:sldId id="262" r:id="rId4"/>
+    <p:sldId id="258" r:id="rId5"/>
+    <p:sldId id="260" r:id="rId6"/>
+    <p:sldId id="263" r:id="rId7"/>
+    <p:sldId id="259" r:id="rId8"/>
+    <p:sldId id="261" r:id="rId9"/>
+    <p:sldId id="264" r:id="rId10"/>
   </p:sldIdLst>
   <p:sldSz cx="12192000" cy="6858000"/>
   <p:notesSz cx="6858000" cy="9144000"/>
@@ -109,6 +112,11 @@
       </a:defRPr>
     </a:lvl9pPr>
   </p:defaultTextStyle>
+  <p:extLst>
+    <p:ext uri="{EFAFB233-063F-42B5-8137-9DF3F51BA10A}">
+      <p15:sldGuideLst xmlns:p15="http://schemas.microsoft.com/office/powerpoint/2012/main"/>
+    </p:ext>
+  </p:extLst>
 </p:presentation>
 </file>
 
@@ -243,7 +251,7 @@
           <a:p>
             <a:fld id="{7152BAB5-2C5D-4938-B68B-B215B1E8C3DC}" type="datetimeFigureOut">
               <a:rPr lang="en-US" smtClean="0"/>
-              <a:t>7/12/2023</a:t>
+              <a:t>10/29/2023</a:t>
             </a:fld>
             <a:endParaRPr lang="en-US"/>
           </a:p>
@@ -413,7 +421,7 @@
           <a:p>
             <a:fld id="{7152BAB5-2C5D-4938-B68B-B215B1E8C3DC}" type="datetimeFigureOut">
               <a:rPr lang="en-US" smtClean="0"/>
-              <a:t>7/12/2023</a:t>
+              <a:t>10/29/2023</a:t>
             </a:fld>
             <a:endParaRPr lang="en-US"/>
           </a:p>
@@ -593,7 +601,7 @@
           <a:p>
             <a:fld id="{7152BAB5-2C5D-4938-B68B-B215B1E8C3DC}" type="datetimeFigureOut">
               <a:rPr lang="en-US" smtClean="0"/>
-              <a:t>7/12/2023</a:t>
+              <a:t>10/29/2023</a:t>
             </a:fld>
             <a:endParaRPr lang="en-US"/>
           </a:p>
@@ -763,7 +771,7 @@
           <a:p>
             <a:fld id="{7152BAB5-2C5D-4938-B68B-B215B1E8C3DC}" type="datetimeFigureOut">
               <a:rPr lang="en-US" smtClean="0"/>
-              <a:t>7/12/2023</a:t>
+              <a:t>10/29/2023</a:t>
             </a:fld>
             <a:endParaRPr lang="en-US"/>
           </a:p>
@@ -1009,7 +1017,7 @@
           <a:p>
             <a:fld id="{7152BAB5-2C5D-4938-B68B-B215B1E8C3DC}" type="datetimeFigureOut">
               <a:rPr lang="en-US" smtClean="0"/>
-              <a:t>7/12/2023</a:t>
+              <a:t>10/29/2023</a:t>
             </a:fld>
             <a:endParaRPr lang="en-US"/>
           </a:p>
@@ -1241,7 +1249,7 @@
           <a:p>
             <a:fld id="{7152BAB5-2C5D-4938-B68B-B215B1E8C3DC}" type="datetimeFigureOut">
               <a:rPr lang="en-US" smtClean="0"/>
-              <a:t>7/12/2023</a:t>
+              <a:t>10/29/2023</a:t>
             </a:fld>
             <a:endParaRPr lang="en-US"/>
           </a:p>
@@ -1608,7 +1616,7 @@
           <a:p>
             <a:fld id="{7152BAB5-2C5D-4938-B68B-B215B1E8C3DC}" type="datetimeFigureOut">
               <a:rPr lang="en-US" smtClean="0"/>
-              <a:t>7/12/2023</a:t>
+              <a:t>10/29/2023</a:t>
             </a:fld>
             <a:endParaRPr lang="en-US"/>
           </a:p>
@@ -1726,7 +1734,7 @@
           <a:p>
             <a:fld id="{7152BAB5-2C5D-4938-B68B-B215B1E8C3DC}" type="datetimeFigureOut">
               <a:rPr lang="en-US" smtClean="0"/>
-              <a:t>7/12/2023</a:t>
+              <a:t>10/29/2023</a:t>
             </a:fld>
             <a:endParaRPr lang="en-US"/>
           </a:p>
@@ -1821,7 +1829,7 @@
           <a:p>
             <a:fld id="{7152BAB5-2C5D-4938-B68B-B215B1E8C3DC}" type="datetimeFigureOut">
               <a:rPr lang="en-US" smtClean="0"/>
-              <a:t>7/12/2023</a:t>
+              <a:t>10/29/2023</a:t>
             </a:fld>
             <a:endParaRPr lang="en-US"/>
           </a:p>
@@ -2098,7 +2106,7 @@
           <a:p>
             <a:fld id="{7152BAB5-2C5D-4938-B68B-B215B1E8C3DC}" type="datetimeFigureOut">
               <a:rPr lang="en-US" smtClean="0"/>
-              <a:t>7/12/2023</a:t>
+              <a:t>10/29/2023</a:t>
             </a:fld>
             <a:endParaRPr lang="en-US"/>
           </a:p>
@@ -2351,7 +2359,7 @@
           <a:p>
             <a:fld id="{7152BAB5-2C5D-4938-B68B-B215B1E8C3DC}" type="datetimeFigureOut">
               <a:rPr lang="en-US" smtClean="0"/>
-              <a:t>7/12/2023</a:t>
+              <a:t>10/29/2023</a:t>
             </a:fld>
             <a:endParaRPr lang="en-US"/>
           </a:p>
@@ -2564,7 +2572,7 @@
           <a:p>
             <a:fld id="{7152BAB5-2C5D-4938-B68B-B215B1E8C3DC}" type="datetimeFigureOut">
               <a:rPr lang="en-US" smtClean="0"/>
-              <a:t>7/12/2023</a:t>
+              <a:t>10/29/2023</a:t>
             </a:fld>
             <a:endParaRPr lang="en-US"/>
           </a:p>
@@ -3120,7 +3128,7 @@
         <p:spPr/>
         <p:txBody>
           <a:bodyPr>
-            <a:normAutofit fontScale="92500"/>
+            <a:normAutofit/>
           </a:bodyPr>
           <a:lstStyle/>
           <a:p>
@@ -3199,35 +3207,12 @@
             <a:pPr lvl="2"/>
             <a:r>
               <a:rPr lang="en-US" dirty="0" smtClean="0"/>
-              <a:t>Normally we read in from the keyboard(input) and  print to the screen(output)</a:t>
-            </a:r>
-          </a:p>
-          <a:p>
-            <a:pPr lvl="1"/>
+              <a:t>Normally we read in from the keyboard(input) and  print to the screen(output</a:t>
+            </a:r>
             <a:r>
               <a:rPr lang="en-US" dirty="0" smtClean="0"/>
-              <a:t>Different files have different format. </a:t>
-            </a:r>
-            <a:r>
-              <a:rPr lang="en-US" dirty="0"/>
-              <a:t> </a:t>
-            </a:r>
-            <a:r>
-              <a:rPr lang="en-US" dirty="0" smtClean="0"/>
-              <a:t>The C files are stored as text we can read – so we say it is stored as ASCII text. The </a:t>
-            </a:r>
-            <a:r>
-              <a:rPr lang="en-US" dirty="0" err="1" smtClean="0"/>
-              <a:t>a.out</a:t>
-            </a:r>
-            <a:r>
-              <a:rPr lang="en-US" dirty="0" smtClean="0"/>
-              <a:t> file is not readable by us, it is a binary executable format called ELF on Linux.</a:t>
-            </a:r>
-          </a:p>
-          <a:p>
-            <a:pPr lvl="1"/>
-            <a:endParaRPr lang="en-US" dirty="0" smtClean="0"/>
+              <a:t>)</a:t>
+            </a:r>
           </a:p>
           <a:p>
             <a:pPr lvl="1"/>
@@ -3274,6 +3259,224 @@
       </p:grpSpPr>
       <p:sp>
         <p:nvSpPr>
+          <p:cNvPr id="2" name="Title 1"/>
+          <p:cNvSpPr>
+            <a:spLocks noGrp="1"/>
+          </p:cNvSpPr>
+          <p:nvPr>
+            <p:ph type="title"/>
+          </p:nvPr>
+        </p:nvSpPr>
+        <p:spPr/>
+        <p:txBody>
+          <a:bodyPr/>
+          <a:lstStyle/>
+          <a:p>
+            <a:r>
+              <a:rPr lang="en-US" dirty="0" smtClean="0"/>
+              <a:t>Aside - Data formats</a:t>
+            </a:r>
+            <a:endParaRPr lang="en-US" dirty="0"/>
+          </a:p>
+        </p:txBody>
+      </p:sp>
+      <p:sp>
+        <p:nvSpPr>
+          <p:cNvPr id="3" name="Content Placeholder 2"/>
+          <p:cNvSpPr>
+            <a:spLocks noGrp="1"/>
+          </p:cNvSpPr>
+          <p:nvPr>
+            <p:ph idx="1"/>
+          </p:nvPr>
+        </p:nvSpPr>
+        <p:spPr/>
+        <p:txBody>
+          <a:bodyPr>
+            <a:normAutofit fontScale="92500" lnSpcReduction="10000"/>
+          </a:bodyPr>
+          <a:lstStyle/>
+          <a:p>
+            <a:r>
+              <a:rPr lang="en-US" dirty="0"/>
+              <a:t>Different files have different </a:t>
+            </a:r>
+            <a:r>
+              <a:rPr lang="en-US" dirty="0" smtClean="0"/>
+              <a:t>format:</a:t>
+            </a:r>
+          </a:p>
+          <a:p>
+            <a:pPr lvl="1"/>
+            <a:r>
+              <a:rPr lang="en-US" dirty="0"/>
+              <a:t>F</a:t>
+            </a:r>
+            <a:r>
+              <a:rPr lang="en-US" dirty="0" smtClean="0"/>
+              <a:t>iles created with an editor like </a:t>
+            </a:r>
+            <a:r>
+              <a:rPr lang="en-US" b="1" dirty="0" smtClean="0"/>
+              <a:t>vi</a:t>
+            </a:r>
+            <a:r>
+              <a:rPr lang="en-US" dirty="0" smtClean="0"/>
+              <a:t>, </a:t>
+            </a:r>
+            <a:r>
+              <a:rPr lang="en-US" b="1" dirty="0" err="1" smtClean="0"/>
+              <a:t>nano</a:t>
+            </a:r>
+            <a:r>
+              <a:rPr lang="en-US" b="1" dirty="0" smtClean="0"/>
+              <a:t>, notepad</a:t>
+            </a:r>
+            <a:r>
+              <a:rPr lang="en-US" dirty="0" smtClean="0"/>
+              <a:t> are </a:t>
+            </a:r>
+            <a:r>
+              <a:rPr lang="en-US" dirty="0"/>
+              <a:t>stored as </a:t>
+            </a:r>
+            <a:r>
+              <a:rPr lang="en-US" dirty="0" smtClean="0"/>
+              <a:t>ASCII </a:t>
+            </a:r>
+            <a:r>
+              <a:rPr lang="en-US" b="1" dirty="0" smtClean="0"/>
+              <a:t>text format</a:t>
+            </a:r>
+            <a:r>
+              <a:rPr lang="en-US" dirty="0" smtClean="0"/>
+              <a:t>… </a:t>
+            </a:r>
+            <a:r>
+              <a:rPr lang="en-US" dirty="0"/>
+              <a:t>we can read </a:t>
+            </a:r>
+            <a:r>
+              <a:rPr lang="en-US" dirty="0" smtClean="0"/>
+              <a:t>them easily. Heavily used to store lots of info – like C, python, HTML, XML, CSV tables etc.</a:t>
+            </a:r>
+          </a:p>
+          <a:p>
+            <a:pPr lvl="1"/>
+            <a:r>
+              <a:rPr lang="en-US" dirty="0" smtClean="0"/>
+              <a:t>We could store integers and floats as they are stored in the computer – </a:t>
+            </a:r>
+            <a:r>
+              <a:rPr lang="en-US" b="1" dirty="0" smtClean="0"/>
+              <a:t>binary format</a:t>
+            </a:r>
+            <a:r>
+              <a:rPr lang="en-US" dirty="0" smtClean="0"/>
+              <a:t>.</a:t>
+            </a:r>
+          </a:p>
+          <a:p>
+            <a:pPr lvl="1"/>
+            <a:r>
+              <a:rPr lang="en-US" dirty="0" smtClean="0"/>
+              <a:t>Linux executables – ELF format;   Windows executables - EXE</a:t>
+            </a:r>
+          </a:p>
+          <a:p>
+            <a:pPr lvl="1"/>
+            <a:r>
+              <a:rPr lang="en-US" dirty="0" smtClean="0"/>
+              <a:t>Other common, special purpose formats:</a:t>
+            </a:r>
+          </a:p>
+          <a:p>
+            <a:pPr lvl="2"/>
+            <a:r>
+              <a:rPr lang="en-US" dirty="0" smtClean="0"/>
+              <a:t>Rich document formats: PDF,  DOC,      (edited using </a:t>
+            </a:r>
+            <a:r>
+              <a:rPr lang="en-US" dirty="0" err="1" smtClean="0"/>
+              <a:t>acroread</a:t>
+            </a:r>
+            <a:r>
+              <a:rPr lang="en-US" dirty="0" smtClean="0"/>
+              <a:t>, word)</a:t>
+            </a:r>
+          </a:p>
+          <a:p>
+            <a:pPr lvl="2"/>
+            <a:r>
+              <a:rPr lang="en-US" dirty="0" smtClean="0"/>
+              <a:t>Image formats: JPEG, GIFF, PNG    (using read using paint, photos, gimp)</a:t>
+            </a:r>
+          </a:p>
+          <a:p>
+            <a:pPr lvl="2"/>
+            <a:r>
+              <a:rPr lang="en-US" dirty="0" smtClean="0"/>
+              <a:t>Video formats: MP4, AVI, MOV  (using VLC, media player)</a:t>
+            </a:r>
+          </a:p>
+          <a:p>
+            <a:pPr lvl="2"/>
+            <a:r>
+              <a:rPr lang="en-US" dirty="0" smtClean="0"/>
+              <a:t>Medical images: DICOM (using specific apps)</a:t>
+            </a:r>
+          </a:p>
+          <a:p>
+            <a:r>
+              <a:rPr lang="en-US" dirty="0" smtClean="0"/>
+              <a:t>We will learn how to read and write ASCII text files from a C program.</a:t>
+            </a:r>
+          </a:p>
+          <a:p>
+            <a:pPr lvl="2"/>
+            <a:endParaRPr lang="en-US" dirty="0"/>
+          </a:p>
+        </p:txBody>
+      </p:sp>
+    </p:spTree>
+    <p:extLst>
+      <p:ext uri="{BB962C8B-B14F-4D97-AF65-F5344CB8AC3E}">
+        <p14:creationId xmlns:p14="http://schemas.microsoft.com/office/powerpoint/2010/main" val="501232177"/>
+      </p:ext>
+    </p:extLst>
+  </p:cSld>
+  <p:clrMapOvr>
+    <a:masterClrMapping/>
+  </p:clrMapOvr>
+  <p:timing>
+    <p:tnLst>
+      <p:par>
+        <p:cTn id="1" dur="indefinite" restart="never" nodeType="tmRoot"/>
+      </p:par>
+    </p:tnLst>
+  </p:timing>
+</p:sld>
+</file>
+
+<file path=ppt/slides/slide4.xml><?xml version="1.0" encoding="utf-8"?>
+<p:sld xmlns:a="http://schemas.openxmlformats.org/drawingml/2006/main" xmlns:r="http://schemas.openxmlformats.org/officeDocument/2006/relationships" xmlns:p="http://schemas.openxmlformats.org/presentationml/2006/main">
+  <p:cSld>
+    <p:spTree>
+      <p:nvGrpSpPr>
+        <p:cNvPr id="1" name=""/>
+        <p:cNvGrpSpPr/>
+        <p:nvPr/>
+      </p:nvGrpSpPr>
+      <p:grpSpPr>
+        <a:xfrm>
+          <a:off x="0" y="0"/>
+          <a:ext cx="0" cy="0"/>
+          <a:chOff x="0" y="0"/>
+          <a:chExt cx="0" cy="0"/>
+        </a:xfrm>
+      </p:grpSpPr>
+      <p:sp>
+        <p:nvSpPr>
           <p:cNvPr id="3" name="Content Placeholder 2"/>
           <p:cNvSpPr>
             <a:spLocks noGrp="1"/>
@@ -3523,18 +3726,25 @@
               <a:t>( </a:t>
             </a:r>
             <a:r>
-              <a:rPr lang="en-US" sz="2400" b="1" dirty="0" smtClean="0">
-                <a:latin typeface="Courier New" panose="02070309020205020404" pitchFamily="49" charset="0"/>
-                <a:cs typeface="Courier New" panose="02070309020205020404" pitchFamily="49" charset="0"/>
-              </a:rPr>
-              <a:t>f</a:t>
-            </a:r>
-            <a:r>
-              <a:rPr lang="en-US" sz="2400" dirty="0" smtClean="0">
-                <a:latin typeface="Courier New" panose="02070309020205020404" pitchFamily="49" charset="0"/>
-                <a:cs typeface="Courier New" panose="02070309020205020404" pitchFamily="49" charset="0"/>
-              </a:rPr>
-              <a:t> ,“%</a:t>
+              <a:rPr lang="en-US" sz="2400" b="1" dirty="0" err="1" smtClean="0">
+                <a:latin typeface="Courier New" panose="02070309020205020404" pitchFamily="49" charset="0"/>
+                <a:cs typeface="Courier New" panose="02070309020205020404" pitchFamily="49" charset="0"/>
+              </a:rPr>
+              <a:t>fp</a:t>
+            </a:r>
+            <a:r>
+              <a:rPr lang="en-US" sz="2400" dirty="0" smtClean="0">
+                <a:latin typeface="Courier New" panose="02070309020205020404" pitchFamily="49" charset="0"/>
+                <a:cs typeface="Courier New" panose="02070309020205020404" pitchFamily="49" charset="0"/>
+              </a:rPr>
+              <a:t> </a:t>
+            </a:r>
+            <a:r>
+              <a:rPr lang="en-US" sz="2400" dirty="0" smtClean="0">
+                <a:latin typeface="Courier New" panose="02070309020205020404" pitchFamily="49" charset="0"/>
+                <a:cs typeface="Courier New" panose="02070309020205020404" pitchFamily="49" charset="0"/>
+              </a:rPr>
+              <a:t>,“%</a:t>
             </a:r>
             <a:r>
               <a:rPr lang="en-US" sz="2400" dirty="0" err="1" smtClean="0">
@@ -3718,7 +3928,7 @@
         <p:spPr>
           <a:xfrm>
             <a:off x="7457636" y="3859324"/>
-            <a:ext cx="3798277" cy="2677656"/>
+            <a:ext cx="3798277" cy="3046988"/>
           </a:xfrm>
           <a:prstGeom prst="rect">
             <a:avLst/>
@@ -3767,19 +3977,23 @@
               <a:buChar char="•"/>
             </a:pPr>
             <a:r>
-              <a:rPr lang="en-US" sz="2400" b="1" dirty="0">
-                <a:latin typeface="Courier New" panose="02070309020205020404" pitchFamily="49" charset="0"/>
-                <a:cs typeface="Courier New" panose="02070309020205020404" pitchFamily="49" charset="0"/>
-              </a:rPr>
-              <a:t>f</a:t>
+              <a:rPr lang="en-US" sz="2400" b="1" dirty="0" err="1" smtClean="0">
+                <a:latin typeface="Courier New" panose="02070309020205020404" pitchFamily="49" charset="0"/>
+                <a:cs typeface="Courier New" panose="02070309020205020404" pitchFamily="49" charset="0"/>
+              </a:rPr>
+              <a:t>fp</a:t>
             </a:r>
             <a:r>
               <a:rPr lang="en-US" sz="2400" b="1" dirty="0" smtClean="0"/>
-              <a:t> </a:t>
+              <a:t>  </a:t>
             </a:r>
             <a:r>
               <a:rPr lang="en-US" sz="2400" dirty="0" smtClean="0"/>
-              <a:t>is related to the file we wish to print to</a:t>
+              <a:t>is </a:t>
+            </a:r>
+            <a:r>
+              <a:rPr lang="en-US" sz="2400" dirty="0" smtClean="0"/>
+              <a:t>related to the file we wish to print to</a:t>
             </a:r>
           </a:p>
           <a:p>
@@ -3788,11 +4002,18 @@
               <a:buChar char="•"/>
             </a:pPr>
             <a:r>
+              <a:rPr lang="en-US" sz="2400" b="1" dirty="0" err="1" smtClean="0">
+                <a:latin typeface="Courier New" panose="02070309020205020404" pitchFamily="49" charset="0"/>
+                <a:cs typeface="Courier New" panose="02070309020205020404" pitchFamily="49" charset="0"/>
+              </a:rPr>
+              <a:t>fp</a:t>
+            </a:r>
+            <a:r>
               <a:rPr lang="en-US" sz="2400" b="1" dirty="0" smtClean="0">
                 <a:latin typeface="Courier New" panose="02070309020205020404" pitchFamily="49" charset="0"/>
                 <a:cs typeface="Courier New" panose="02070309020205020404" pitchFamily="49" charset="0"/>
               </a:rPr>
-              <a:t>f</a:t>
+              <a:t> </a:t>
             </a:r>
             <a:r>
               <a:rPr lang="en-US" sz="2400" b="1" dirty="0" smtClean="0"/>
@@ -3904,7 +4125,7 @@
 </p:sld>
 </file>
 
-<file path=ppt/slides/slide4.xml><?xml version="1.0" encoding="utf-8"?>
+<file path=ppt/slides/slide5.xml><?xml version="1.0" encoding="utf-8"?>
 <p:sld xmlns:a="http://schemas.openxmlformats.org/drawingml/2006/main" xmlns:r="http://schemas.openxmlformats.org/officeDocument/2006/relationships" xmlns:p="http://schemas.openxmlformats.org/presentationml/2006/main">
   <p:cSld>
     <p:spTree>
@@ -4194,54 +4415,40 @@
                 <a:latin typeface="Courier New" panose="02070309020205020404" pitchFamily="49" charset="0"/>
                 <a:cs typeface="Courier New" panose="02070309020205020404" pitchFamily="49" charset="0"/>
               </a:rPr>
-              <a:t>sca</a:t>
+              <a:t>scanf</a:t>
+            </a:r>
+            <a:r>
+              <a:rPr lang="en-US" sz="2400" dirty="0" smtClean="0">
+                <a:latin typeface="Courier New" panose="02070309020205020404" pitchFamily="49" charset="0"/>
+                <a:cs typeface="Courier New" panose="02070309020205020404" pitchFamily="49" charset="0"/>
+              </a:rPr>
+              <a:t>(     “%</a:t>
             </a:r>
             <a:r>
               <a:rPr lang="en-US" sz="2400" dirty="0" err="1" smtClean="0">
                 <a:latin typeface="Courier New" panose="02070309020205020404" pitchFamily="49" charset="0"/>
                 <a:cs typeface="Courier New" panose="02070309020205020404" pitchFamily="49" charset="0"/>
               </a:rPr>
-              <a:t>nf</a:t>
-            </a:r>
-            <a:r>
-              <a:rPr lang="en-US" sz="2400" dirty="0" smtClean="0">
-                <a:latin typeface="Courier New" panose="02070309020205020404" pitchFamily="49" charset="0"/>
-                <a:cs typeface="Courier New" panose="02070309020205020404" pitchFamily="49" charset="0"/>
-              </a:rPr>
-              <a:t>(     “%</a:t>
-            </a:r>
+              <a:t>s”,a</a:t>
+            </a:r>
+            <a:r>
+              <a:rPr lang="en-US" sz="2400" dirty="0" smtClean="0">
+                <a:latin typeface="Courier New" panose="02070309020205020404" pitchFamily="49" charset="0"/>
+                <a:cs typeface="Courier New" panose="02070309020205020404" pitchFamily="49" charset="0"/>
+              </a:rPr>
+              <a:t>);</a:t>
+            </a:r>
+          </a:p>
+          <a:p>
+            <a:pPr marL="0" indent="0">
+              <a:buNone/>
+            </a:pPr>
             <a:r>
               <a:rPr lang="en-US" sz="2400" dirty="0" err="1" smtClean="0">
                 <a:latin typeface="Courier New" panose="02070309020205020404" pitchFamily="49" charset="0"/>
                 <a:cs typeface="Courier New" panose="02070309020205020404" pitchFamily="49" charset="0"/>
               </a:rPr>
-              <a:t>s”,a</a:t>
-            </a:r>
-            <a:r>
-              <a:rPr lang="en-US" sz="2400" dirty="0" smtClean="0">
-                <a:latin typeface="Courier New" panose="02070309020205020404" pitchFamily="49" charset="0"/>
-                <a:cs typeface="Courier New" panose="02070309020205020404" pitchFamily="49" charset="0"/>
-              </a:rPr>
-              <a:t>);</a:t>
-            </a:r>
-          </a:p>
-          <a:p>
-            <a:pPr marL="0" indent="0">
-              <a:buNone/>
-            </a:pPr>
-            <a:r>
-              <a:rPr lang="en-US" sz="2400" dirty="0" err="1" smtClean="0">
-                <a:latin typeface="Courier New" panose="02070309020205020404" pitchFamily="49" charset="0"/>
-                <a:cs typeface="Courier New" panose="02070309020205020404" pitchFamily="49" charset="0"/>
-              </a:rPr>
-              <a:t>fsc</a:t>
-            </a:r>
-            <a:r>
-              <a:rPr lang="en-US" sz="2400" dirty="0" err="1" smtClean="0">
-                <a:latin typeface="Courier New" panose="02070309020205020404" pitchFamily="49" charset="0"/>
-                <a:cs typeface="Courier New" panose="02070309020205020404" pitchFamily="49" charset="0"/>
-              </a:rPr>
-              <a:t>anf</a:t>
+              <a:t>fscanf</a:t>
             </a:r>
             <a:r>
               <a:rPr lang="en-US" sz="2400" dirty="0" smtClean="0">
@@ -4251,18 +4458,25 @@
               <a:t>( </a:t>
             </a:r>
             <a:r>
-              <a:rPr lang="en-US" sz="2400" b="1" dirty="0" smtClean="0">
-                <a:latin typeface="Courier New" panose="02070309020205020404" pitchFamily="49" charset="0"/>
-                <a:cs typeface="Courier New" panose="02070309020205020404" pitchFamily="49" charset="0"/>
-              </a:rPr>
-              <a:t>f</a:t>
-            </a:r>
-            <a:r>
-              <a:rPr lang="en-US" sz="2400" dirty="0" smtClean="0">
-                <a:latin typeface="Courier New" panose="02070309020205020404" pitchFamily="49" charset="0"/>
-                <a:cs typeface="Courier New" panose="02070309020205020404" pitchFamily="49" charset="0"/>
-              </a:rPr>
-              <a:t> ,“%</a:t>
+              <a:rPr lang="en-US" sz="2400" b="1" dirty="0" err="1" smtClean="0">
+                <a:latin typeface="Courier New" panose="02070309020205020404" pitchFamily="49" charset="0"/>
+                <a:cs typeface="Courier New" panose="02070309020205020404" pitchFamily="49" charset="0"/>
+              </a:rPr>
+              <a:t>fp</a:t>
+            </a:r>
+            <a:r>
+              <a:rPr lang="en-US" sz="2400" dirty="0" smtClean="0">
+                <a:latin typeface="Courier New" panose="02070309020205020404" pitchFamily="49" charset="0"/>
+                <a:cs typeface="Courier New" panose="02070309020205020404" pitchFamily="49" charset="0"/>
+              </a:rPr>
+              <a:t> </a:t>
+            </a:r>
+            <a:r>
+              <a:rPr lang="en-US" sz="2400" dirty="0" smtClean="0">
+                <a:latin typeface="Courier New" panose="02070309020205020404" pitchFamily="49" charset="0"/>
+                <a:cs typeface="Courier New" panose="02070309020205020404" pitchFamily="49" charset="0"/>
+              </a:rPr>
+              <a:t>,“%</a:t>
             </a:r>
             <a:r>
               <a:rPr lang="en-US" sz="2400" dirty="0" err="1" smtClean="0">
@@ -4404,19 +4618,23 @@
               <a:buChar char="•"/>
             </a:pPr>
             <a:r>
-              <a:rPr lang="en-US" sz="2400" b="1" dirty="0">
-                <a:latin typeface="Courier New" panose="02070309020205020404" pitchFamily="49" charset="0"/>
-                <a:cs typeface="Courier New" panose="02070309020205020404" pitchFamily="49" charset="0"/>
-              </a:rPr>
-              <a:t>f</a:t>
+              <a:rPr lang="en-US" sz="2400" b="1" dirty="0" err="1" smtClean="0">
+                <a:latin typeface="Courier New" panose="02070309020205020404" pitchFamily="49" charset="0"/>
+                <a:cs typeface="Courier New" panose="02070309020205020404" pitchFamily="49" charset="0"/>
+              </a:rPr>
+              <a:t>fp</a:t>
             </a:r>
             <a:r>
               <a:rPr lang="en-US" sz="2400" b="1" dirty="0" smtClean="0"/>
-              <a:t> </a:t>
+              <a:t>  </a:t>
             </a:r>
             <a:r>
               <a:rPr lang="en-US" sz="2400" dirty="0" smtClean="0"/>
-              <a:t>is related to the file we wish to print to</a:t>
+              <a:t>is </a:t>
+            </a:r>
+            <a:r>
+              <a:rPr lang="en-US" sz="2400" dirty="0" smtClean="0"/>
+              <a:t>related to the file we wish to print to</a:t>
             </a:r>
           </a:p>
           <a:p>
@@ -4425,19 +4643,23 @@
               <a:buChar char="•"/>
             </a:pPr>
             <a:r>
-              <a:rPr lang="en-US" sz="2400" b="1" dirty="0" smtClean="0">
-                <a:latin typeface="Courier New" panose="02070309020205020404" pitchFamily="49" charset="0"/>
-                <a:cs typeface="Courier New" panose="02070309020205020404" pitchFamily="49" charset="0"/>
-              </a:rPr>
-              <a:t>f</a:t>
+              <a:rPr lang="en-US" sz="2400" b="1" dirty="0" err="1" smtClean="0">
+                <a:latin typeface="Courier New" panose="02070309020205020404" pitchFamily="49" charset="0"/>
+                <a:cs typeface="Courier New" panose="02070309020205020404" pitchFamily="49" charset="0"/>
+              </a:rPr>
+              <a:t>fp</a:t>
             </a:r>
             <a:r>
               <a:rPr lang="en-US" sz="2400" b="1" dirty="0" smtClean="0"/>
-              <a:t> </a:t>
+              <a:t>  </a:t>
             </a:r>
             <a:r>
               <a:rPr lang="en-US" sz="2400" dirty="0" smtClean="0"/>
-              <a:t>is called a </a:t>
+              <a:t>is </a:t>
+            </a:r>
+            <a:r>
+              <a:rPr lang="en-US" sz="2400" dirty="0" smtClean="0"/>
+              <a:t>called a </a:t>
             </a:r>
             <a:r>
               <a:rPr lang="en-US" sz="2400" b="1" dirty="0" smtClean="0"/>
@@ -4541,7 +4763,205 @@
 </p:sld>
 </file>
 
-<file path=ppt/slides/slide5.xml><?xml version="1.0" encoding="utf-8"?>
+<file path=ppt/slides/slide6.xml><?xml version="1.0" encoding="utf-8"?>
+<p:sld xmlns:a="http://schemas.openxmlformats.org/drawingml/2006/main" xmlns:r="http://schemas.openxmlformats.org/officeDocument/2006/relationships" xmlns:p="http://schemas.openxmlformats.org/presentationml/2006/main">
+  <p:cSld>
+    <p:spTree>
+      <p:nvGrpSpPr>
+        <p:cNvPr id="1" name=""/>
+        <p:cNvGrpSpPr/>
+        <p:nvPr/>
+      </p:nvGrpSpPr>
+      <p:grpSpPr>
+        <a:xfrm>
+          <a:off x="0" y="0"/>
+          <a:ext cx="0" cy="0"/>
+          <a:chOff x="0" y="0"/>
+          <a:chExt cx="0" cy="0"/>
+        </a:xfrm>
+      </p:grpSpPr>
+      <p:sp>
+        <p:nvSpPr>
+          <p:cNvPr id="2" name="Title 1"/>
+          <p:cNvSpPr>
+            <a:spLocks noGrp="1"/>
+          </p:cNvSpPr>
+          <p:nvPr>
+            <p:ph type="title"/>
+          </p:nvPr>
+        </p:nvSpPr>
+        <p:spPr/>
+        <p:txBody>
+          <a:bodyPr/>
+          <a:lstStyle/>
+          <a:p>
+            <a:r>
+              <a:rPr lang="en-US" dirty="0" smtClean="0"/>
+              <a:t>How do we specify which file to read from or write to?</a:t>
+            </a:r>
+            <a:endParaRPr lang="en-US" dirty="0"/>
+          </a:p>
+        </p:txBody>
+      </p:sp>
+      <p:sp>
+        <p:nvSpPr>
+          <p:cNvPr id="3" name="Content Placeholder 2"/>
+          <p:cNvSpPr>
+            <a:spLocks noGrp="1"/>
+          </p:cNvSpPr>
+          <p:nvPr>
+            <p:ph idx="1"/>
+          </p:nvPr>
+        </p:nvSpPr>
+        <p:spPr/>
+        <p:txBody>
+          <a:bodyPr/>
+          <a:lstStyle/>
+          <a:p>
+            <a:r>
+              <a:rPr lang="en-US" dirty="0" smtClean="0"/>
+              <a:t>We know now that </a:t>
+            </a:r>
+            <a:r>
+              <a:rPr lang="en-US" b="1" dirty="0" err="1" smtClean="0"/>
+              <a:t>fprintf</a:t>
+            </a:r>
+            <a:r>
+              <a:rPr lang="en-US" dirty="0"/>
+              <a:t> </a:t>
+            </a:r>
+            <a:r>
+              <a:rPr lang="en-US" dirty="0" smtClean="0"/>
+              <a:t>and </a:t>
+            </a:r>
+            <a:r>
+              <a:rPr lang="en-US" b="1" dirty="0" err="1" smtClean="0"/>
+              <a:t>fscanf</a:t>
+            </a:r>
+            <a:r>
+              <a:rPr lang="en-US" dirty="0" smtClean="0"/>
+              <a:t> are almost exactly like </a:t>
+            </a:r>
+            <a:r>
+              <a:rPr lang="en-US" b="1" dirty="0" err="1" smtClean="0"/>
+              <a:t>printf</a:t>
+            </a:r>
+            <a:r>
+              <a:rPr lang="en-US" dirty="0" smtClean="0"/>
+              <a:t> and </a:t>
+            </a:r>
+            <a:r>
+              <a:rPr lang="en-US" b="1" dirty="0" err="1" smtClean="0"/>
+              <a:t>scanf</a:t>
+            </a:r>
+            <a:r>
+              <a:rPr lang="en-US" dirty="0" smtClean="0"/>
+              <a:t>.</a:t>
+            </a:r>
+          </a:p>
+          <a:p>
+            <a:r>
+              <a:rPr lang="en-US" dirty="0" smtClean="0"/>
+              <a:t>We would like to set the file pointer parameter   </a:t>
+            </a:r>
+            <a:r>
+              <a:rPr lang="en-US" b="1" dirty="0" err="1" smtClean="0"/>
+              <a:t>fp</a:t>
+            </a:r>
+            <a:r>
+              <a:rPr lang="en-US" b="1" dirty="0" smtClean="0"/>
+              <a:t>    </a:t>
+            </a:r>
+            <a:r>
+              <a:rPr lang="en-US" dirty="0" smtClean="0"/>
+              <a:t> to indicate the file on the disk that we want to print to or scan from.</a:t>
+            </a:r>
+          </a:p>
+          <a:p>
+            <a:r>
+              <a:rPr lang="en-US" dirty="0" smtClean="0"/>
+              <a:t>These are the four common library functions for file </a:t>
+            </a:r>
+            <a:r>
+              <a:rPr lang="en-US" dirty="0" err="1" smtClean="0"/>
+              <a:t>i</a:t>
+            </a:r>
+            <a:r>
+              <a:rPr lang="en-US" dirty="0" smtClean="0"/>
+              <a:t>/o:</a:t>
+            </a:r>
+          </a:p>
+          <a:p>
+            <a:pPr lvl="1"/>
+            <a:r>
+              <a:rPr lang="en-US" dirty="0" err="1" smtClean="0"/>
+              <a:t>fscanf</a:t>
+            </a:r>
+            <a:r>
+              <a:rPr lang="en-US" dirty="0" smtClean="0"/>
+              <a:t>()    -- read from a file</a:t>
+            </a:r>
+          </a:p>
+          <a:p>
+            <a:pPr lvl="1"/>
+            <a:r>
+              <a:rPr lang="en-US" dirty="0" err="1" smtClean="0"/>
+              <a:t>fprintf</a:t>
+            </a:r>
+            <a:r>
+              <a:rPr lang="en-US" dirty="0" smtClean="0"/>
+              <a:t>()   -- write to a file</a:t>
+            </a:r>
+          </a:p>
+          <a:p>
+            <a:pPr lvl="1"/>
+            <a:r>
+              <a:rPr lang="en-US" dirty="0" err="1" smtClean="0"/>
+              <a:t>fopen</a:t>
+            </a:r>
+            <a:r>
+              <a:rPr lang="en-US" dirty="0" smtClean="0"/>
+              <a:t>()    -- open a file (and associate a file pointer with it)</a:t>
+            </a:r>
+          </a:p>
+          <a:p>
+            <a:pPr lvl="1"/>
+            <a:r>
+              <a:rPr lang="en-US" dirty="0" err="1" smtClean="0"/>
+              <a:t>fclose</a:t>
+            </a:r>
+            <a:r>
+              <a:rPr lang="en-US" dirty="0" smtClean="0"/>
+              <a:t>()    -- close a file (and dissociate the file pointer from it)</a:t>
+            </a:r>
+          </a:p>
+          <a:p>
+            <a:pPr lvl="1"/>
+            <a:endParaRPr lang="en-US" dirty="0"/>
+          </a:p>
+        </p:txBody>
+      </p:sp>
+    </p:spTree>
+    <p:extLst>
+      <p:ext uri="{BB962C8B-B14F-4D97-AF65-F5344CB8AC3E}">
+        <p14:creationId xmlns:p14="http://schemas.microsoft.com/office/powerpoint/2010/main" val="567634411"/>
+      </p:ext>
+    </p:extLst>
+  </p:cSld>
+  <p:clrMapOvr>
+    <a:masterClrMapping/>
+  </p:clrMapOvr>
+  <p:timing>
+    <p:tnLst>
+      <p:par>
+        <p:cTn id="1" dur="indefinite" restart="never" nodeType="tmRoot"/>
+      </p:par>
+    </p:tnLst>
+  </p:timing>
+</p:sld>
+</file>
+
+<file path=ppt/slides/slide7.xml><?xml version="1.0" encoding="utf-8"?>
 <p:sld xmlns:a="http://schemas.openxmlformats.org/drawingml/2006/main" xmlns:r="http://schemas.openxmlformats.org/officeDocument/2006/relationships" xmlns:p="http://schemas.openxmlformats.org/presentationml/2006/main">
   <p:cSld>
     <p:spTree>
@@ -4740,8 +5160,11 @@
               <a:rPr lang="en-US" sz="2400" dirty="0" smtClean="0">
                 <a:cs typeface="Courier New" panose="02070309020205020404" pitchFamily="49" charset="0"/>
               </a:rPr>
-              <a:t>Use:</a:t>
-            </a:r>
+              <a:t>Use for writing:</a:t>
+            </a:r>
+            <a:endParaRPr lang="en-US" sz="2400" dirty="0" smtClean="0">
+              <a:cs typeface="Courier New" panose="02070309020205020404" pitchFamily="49" charset="0"/>
+            </a:endParaRPr>
           </a:p>
           <a:p>
             <a:pPr marL="0" indent="0">
@@ -4927,35 +5350,7 @@
                 <a:latin typeface="Courier New" panose="02070309020205020404" pitchFamily="49" charset="0"/>
                 <a:cs typeface="Courier New" panose="02070309020205020404" pitchFamily="49" charset="0"/>
               </a:rPr>
-              <a:t> ,“%</a:t>
-            </a:r>
-            <a:r>
-              <a:rPr lang="en-US" sz="2400" dirty="0" smtClean="0">
-                <a:latin typeface="Courier New" panose="02070309020205020404" pitchFamily="49" charset="0"/>
-                <a:cs typeface="Courier New" panose="02070309020205020404" pitchFamily="49" charset="0"/>
-              </a:rPr>
-              <a:t>f\n</a:t>
-            </a:r>
-            <a:r>
-              <a:rPr lang="en-US" sz="2400" dirty="0" smtClean="0">
-                <a:latin typeface="Courier New" panose="02070309020205020404" pitchFamily="49" charset="0"/>
-                <a:cs typeface="Courier New" panose="02070309020205020404" pitchFamily="49" charset="0"/>
-              </a:rPr>
-              <a:t>”,3</a:t>
-            </a:r>
-            <a:r>
-              <a:rPr lang="en-US" sz="2400" dirty="0" smtClean="0">
-                <a:latin typeface="Courier New" panose="02070309020205020404" pitchFamily="49" charset="0"/>
-                <a:cs typeface="Courier New" panose="02070309020205020404" pitchFamily="49" charset="0"/>
-              </a:rPr>
-              <a:t>.1412</a:t>
-            </a:r>
-            <a:r>
-              <a:rPr lang="en-US" sz="2400" dirty="0" smtClean="0">
-                <a:latin typeface="Courier New" panose="02070309020205020404" pitchFamily="49" charset="0"/>
-                <a:cs typeface="Courier New" panose="02070309020205020404" pitchFamily="49" charset="0"/>
-              </a:rPr>
-              <a:t>);</a:t>
+              <a:t> ,“%f\n”,3.1412);</a:t>
             </a:r>
           </a:p>
           <a:p>
@@ -5019,7 +5414,7 @@
         <p:spPr>
           <a:xfrm>
             <a:off x="8011885" y="3484097"/>
-            <a:ext cx="3860801" cy="3416320"/>
+            <a:ext cx="3860801" cy="2677656"/>
           </a:xfrm>
           <a:prstGeom prst="rect">
             <a:avLst/>
@@ -5080,14 +5475,31 @@
             </a:r>
             <a:r>
               <a:rPr lang="en-US" sz="2400" dirty="0" smtClean="0"/>
-              <a:t> is a string with one or more of   </a:t>
+              <a:t> is a string with </a:t>
+            </a:r>
+            <a:r>
+              <a:rPr lang="en-US" sz="2400" dirty="0" smtClean="0"/>
+              <a:t>one of </a:t>
+            </a:r>
+          </a:p>
+          <a:p>
+            <a:r>
+              <a:rPr lang="en-US" sz="2400" dirty="0" smtClean="0"/>
+              <a:t>           </a:t>
             </a:r>
             <a:r>
               <a:rPr lang="en-US" sz="2400" i="1" dirty="0" smtClean="0">
                 <a:latin typeface="Courier New" panose="02070309020205020404" pitchFamily="49" charset="0"/>
                 <a:cs typeface="Courier New" panose="02070309020205020404" pitchFamily="49" charset="0"/>
               </a:rPr>
-              <a:t>r,  w,  a, </a:t>
+              <a:t>r</a:t>
+            </a:r>
+            <a:r>
+              <a:rPr lang="en-US" sz="2400" i="1" dirty="0" smtClean="0">
+                <a:latin typeface="Courier New" panose="02070309020205020404" pitchFamily="49" charset="0"/>
+                <a:cs typeface="Courier New" panose="02070309020205020404" pitchFamily="49" charset="0"/>
+              </a:rPr>
+              <a:t>,  w,  a, </a:t>
             </a:r>
             <a:br>
               <a:rPr lang="en-US" sz="2400" i="1" dirty="0" smtClean="0">
@@ -5100,66 +5512,35 @@
                 <a:latin typeface="Courier New" panose="02070309020205020404" pitchFamily="49" charset="0"/>
                 <a:cs typeface="Courier New" panose="02070309020205020404" pitchFamily="49" charset="0"/>
               </a:rPr>
-              <a:t>      r+, w+, a+ …</a:t>
-            </a:r>
-            <a:br>
+              <a:t>   </a:t>
+            </a:r>
+          </a:p>
+          <a:p>
+            <a:r>
+              <a:rPr lang="en-US" sz="2400" i="1" dirty="0" err="1" smtClean="0">
+                <a:latin typeface="Courier New" panose="02070309020205020404" pitchFamily="49" charset="0"/>
+                <a:cs typeface="Courier New" panose="02070309020205020404" pitchFamily="49" charset="0"/>
+              </a:rPr>
+              <a:t>w,a</a:t>
+            </a:r>
+            <a:r>
               <a:rPr lang="en-US" sz="2400" i="1" dirty="0" smtClean="0">
                 <a:latin typeface="Courier New" panose="02070309020205020404" pitchFamily="49" charset="0"/>
                 <a:cs typeface="Courier New" panose="02070309020205020404" pitchFamily="49" charset="0"/>
               </a:rPr>
-            </a:br>
+              <a:t> </a:t>
+            </a:r>
             <a:r>
               <a:rPr lang="en-US" sz="2400" i="1" dirty="0" smtClean="0">
-                <a:latin typeface="Courier New" panose="02070309020205020404" pitchFamily="49" charset="0"/>
-                <a:cs typeface="Courier New" panose="02070309020205020404" pitchFamily="49" charset="0"/>
-              </a:rPr>
-              <a:t>      </a:t>
-            </a:r>
-            <a:r>
-              <a:rPr lang="en-US" sz="2000" i="1" dirty="0" err="1" smtClean="0">
-                <a:latin typeface="Times New Roman" panose="02020603050405020304" pitchFamily="18" charset="0"/>
-                <a:cs typeface="Times New Roman" panose="02020603050405020304" pitchFamily="18" charset="0"/>
-              </a:rPr>
-              <a:t>x</a:t>
-            </a:r>
-            <a:r>
-              <a:rPr lang="en-US" sz="2400" dirty="0" err="1" smtClean="0">
-                <a:latin typeface="Courier New" panose="02070309020205020404" pitchFamily="49" charset="0"/>
-                <a:cs typeface="Courier New" panose="02070309020205020404" pitchFamily="49" charset="0"/>
-              </a:rPr>
-              <a:t>b</a:t>
-            </a:r>
-            <a:endParaRPr lang="en-US" sz="2400" dirty="0" smtClean="0">
-              <a:latin typeface="Courier New" panose="02070309020205020404" pitchFamily="49" charset="0"/>
-              <a:cs typeface="Courier New" panose="02070309020205020404" pitchFamily="49" charset="0"/>
-            </a:endParaRPr>
-          </a:p>
-          <a:p>
-            <a:endParaRPr lang="en-US" sz="2400" i="1" dirty="0" smtClean="0">
-              <a:latin typeface="Courier New" panose="02070309020205020404" pitchFamily="49" charset="0"/>
-              <a:cs typeface="Courier New" panose="02070309020205020404" pitchFamily="49" charset="0"/>
-            </a:endParaRPr>
-          </a:p>
-          <a:p>
-            <a:r>
-              <a:rPr lang="en-US" sz="2400" i="1" dirty="0" err="1" smtClean="0">
-                <a:latin typeface="Courier New" panose="02070309020205020404" pitchFamily="49" charset="0"/>
-                <a:cs typeface="Courier New" panose="02070309020205020404" pitchFamily="49" charset="0"/>
-              </a:rPr>
-              <a:t>w,a</a:t>
+                <a:cs typeface="Courier New" panose="02070309020205020404" pitchFamily="49" charset="0"/>
+              </a:rPr>
+              <a:t>create a file if it doesn’t </a:t>
             </a:r>
             <a:r>
               <a:rPr lang="en-US" sz="2400" i="1" dirty="0" smtClean="0">
-                <a:latin typeface="Courier New" panose="02070309020205020404" pitchFamily="49" charset="0"/>
-                <a:cs typeface="Courier New" panose="02070309020205020404" pitchFamily="49" charset="0"/>
-              </a:rPr>
-              <a:t> </a:t>
-            </a:r>
-            <a:r>
-              <a:rPr lang="en-US" sz="2400" i="1" dirty="0" smtClean="0">
-                <a:cs typeface="Courier New" panose="02070309020205020404" pitchFamily="49" charset="0"/>
-              </a:rPr>
-              <a:t>create a file if it doesn’t exist</a:t>
+                <a:cs typeface="Courier New" panose="02070309020205020404" pitchFamily="49" charset="0"/>
+              </a:rPr>
+              <a:t>already exist</a:t>
             </a:r>
             <a:endParaRPr lang="en-US" sz="2400" i="1" dirty="0">
               <a:cs typeface="Courier New" panose="02070309020205020404" pitchFamily="49" charset="0"/>
@@ -5350,7 +5731,7 @@
 </p:sld>
 </file>
 
-<file path=ppt/slides/slide6.xml><?xml version="1.0" encoding="utf-8"?>
+<file path=ppt/slides/slide8.xml><?xml version="1.0" encoding="utf-8"?>
 <p:sld xmlns:a="http://schemas.openxmlformats.org/drawingml/2006/main" xmlns:r="http://schemas.openxmlformats.org/officeDocument/2006/relationships" xmlns:p="http://schemas.openxmlformats.org/presentationml/2006/main">
   <p:cSld>
     <p:spTree>
@@ -5554,8 +5935,11 @@
               <a:rPr lang="en-US" sz="2400" dirty="0" smtClean="0">
                 <a:cs typeface="Courier New" panose="02070309020205020404" pitchFamily="49" charset="0"/>
               </a:rPr>
-              <a:t>Use:</a:t>
-            </a:r>
+              <a:t>Use for reading:</a:t>
+            </a:r>
+            <a:endParaRPr lang="en-US" sz="2400" dirty="0" smtClean="0">
+              <a:cs typeface="Courier New" panose="02070309020205020404" pitchFamily="49" charset="0"/>
+            </a:endParaRPr>
           </a:p>
           <a:p>
             <a:pPr marL="0" indent="0">
@@ -6033,6 +6417,118 @@
       <p:bldP spid="7" grpId="0" animBg="1"/>
     </p:bldLst>
   </p:timing>
+</p:sld>
+</file>
+
+<file path=ppt/slides/slide9.xml><?xml version="1.0" encoding="utf-8"?>
+<p:sld xmlns:a="http://schemas.openxmlformats.org/drawingml/2006/main" xmlns:r="http://schemas.openxmlformats.org/officeDocument/2006/relationships" xmlns:p="http://schemas.openxmlformats.org/presentationml/2006/main">
+  <p:cSld>
+    <p:spTree>
+      <p:nvGrpSpPr>
+        <p:cNvPr id="1" name=""/>
+        <p:cNvGrpSpPr/>
+        <p:nvPr/>
+      </p:nvGrpSpPr>
+      <p:grpSpPr>
+        <a:xfrm>
+          <a:off x="0" y="0"/>
+          <a:ext cx="0" cy="0"/>
+          <a:chOff x="0" y="0"/>
+          <a:chExt cx="0" cy="0"/>
+        </a:xfrm>
+      </p:grpSpPr>
+      <p:sp>
+        <p:nvSpPr>
+          <p:cNvPr id="2" name="Title 1"/>
+          <p:cNvSpPr>
+            <a:spLocks noGrp="1"/>
+          </p:cNvSpPr>
+          <p:nvPr>
+            <p:ph type="title"/>
+          </p:nvPr>
+        </p:nvSpPr>
+        <p:spPr/>
+        <p:txBody>
+          <a:bodyPr/>
+          <a:lstStyle/>
+          <a:p>
+            <a:r>
+              <a:rPr lang="en-US" dirty="0" smtClean="0"/>
+              <a:t>Check out some code</a:t>
+            </a:r>
+            <a:endParaRPr lang="en-US" dirty="0"/>
+          </a:p>
+        </p:txBody>
+      </p:sp>
+      <p:sp>
+        <p:nvSpPr>
+          <p:cNvPr id="3" name="Content Placeholder 2"/>
+          <p:cNvSpPr>
+            <a:spLocks noGrp="1"/>
+          </p:cNvSpPr>
+          <p:nvPr>
+            <p:ph idx="1"/>
+          </p:nvPr>
+        </p:nvSpPr>
+        <p:spPr/>
+        <p:txBody>
+          <a:bodyPr/>
+          <a:lstStyle/>
+          <a:p>
+            <a:r>
+              <a:rPr lang="en-US" dirty="0" err="1" smtClean="0"/>
+              <a:t>fileio_simple.c</a:t>
+            </a:r>
+            <a:endParaRPr lang="en-US" dirty="0" smtClean="0"/>
+          </a:p>
+          <a:p>
+            <a:r>
+              <a:rPr lang="en-US" dirty="0" err="1"/>
+              <a:t>f</a:t>
+            </a:r>
+            <a:r>
+              <a:rPr lang="en-US" dirty="0" err="1" smtClean="0"/>
+              <a:t>illin_file.c</a:t>
+            </a:r>
+            <a:endParaRPr lang="en-US" dirty="0" smtClean="0"/>
+          </a:p>
+          <a:p>
+            <a:r>
+              <a:rPr lang="en-US" dirty="0" err="1"/>
+              <a:t>f</a:t>
+            </a:r>
+            <a:r>
+              <a:rPr lang="en-US" smtClean="0"/>
+              <a:t>ileio.c</a:t>
+            </a:r>
+            <a:endParaRPr lang="en-US" dirty="0" smtClean="0"/>
+          </a:p>
+          <a:p>
+            <a:r>
+              <a:rPr lang="en-US" dirty="0" err="1"/>
+              <a:t>a</a:t>
+            </a:r>
+            <a:r>
+              <a:rPr lang="en-US" dirty="0" err="1" smtClean="0"/>
+              <a:t>rray_ops.c</a:t>
+            </a:r>
+            <a:endParaRPr lang="en-US" dirty="0" smtClean="0"/>
+          </a:p>
+          <a:p>
+            <a:endParaRPr lang="en-US" dirty="0" smtClean="0"/>
+          </a:p>
+        </p:txBody>
+      </p:sp>
+    </p:spTree>
+    <p:extLst>
+      <p:ext uri="{BB962C8B-B14F-4D97-AF65-F5344CB8AC3E}">
+        <p14:creationId xmlns:p14="http://schemas.microsoft.com/office/powerpoint/2010/main" val="1961722517"/>
+      </p:ext>
+    </p:extLst>
+  </p:cSld>
+  <p:clrMapOvr>
+    <a:masterClrMapping/>
+  </p:clrMapOvr>
 </p:sld>
 </file>
 

--- a/slides/15-FileIO.pptx
+++ b/slides/15-FileIO.pptx
@@ -3207,11 +3207,7 @@
             <a:pPr lvl="2"/>
             <a:r>
               <a:rPr lang="en-US" dirty="0" smtClean="0"/>
-              <a:t>Normally we read in from the keyboard(input) and  print to the screen(output</a:t>
-            </a:r>
-            <a:r>
-              <a:rPr lang="en-US" dirty="0" smtClean="0"/>
-              <a:t>)</a:t>
+              <a:t>Normally we read in from the keyboard(input) and  print to the screen(output)</a:t>
             </a:r>
           </a:p>
           <a:p>
@@ -3737,14 +3733,7 @@
                 <a:latin typeface="Courier New" panose="02070309020205020404" pitchFamily="49" charset="0"/>
                 <a:cs typeface="Courier New" panose="02070309020205020404" pitchFamily="49" charset="0"/>
               </a:rPr>
-              <a:t> </a:t>
-            </a:r>
-            <a:r>
-              <a:rPr lang="en-US" sz="2400" dirty="0" smtClean="0">
-                <a:latin typeface="Courier New" panose="02070309020205020404" pitchFamily="49" charset="0"/>
-                <a:cs typeface="Courier New" panose="02070309020205020404" pitchFamily="49" charset="0"/>
-              </a:rPr>
-              <a:t>,“%</a:t>
+              <a:t> ,“%</a:t>
             </a:r>
             <a:r>
               <a:rPr lang="en-US" sz="2400" dirty="0" err="1" smtClean="0">
@@ -3989,11 +3978,7 @@
             </a:r>
             <a:r>
               <a:rPr lang="en-US" sz="2400" dirty="0" smtClean="0"/>
-              <a:t>is </a:t>
-            </a:r>
-            <a:r>
-              <a:rPr lang="en-US" sz="2400" dirty="0" smtClean="0"/>
-              <a:t>related to the file we wish to print to</a:t>
+              <a:t>is related to the file we wish to print to</a:t>
             </a:r>
           </a:p>
           <a:p>
@@ -4469,14 +4454,7 @@
                 <a:latin typeface="Courier New" panose="02070309020205020404" pitchFamily="49" charset="0"/>
                 <a:cs typeface="Courier New" panose="02070309020205020404" pitchFamily="49" charset="0"/>
               </a:rPr>
-              <a:t> </a:t>
-            </a:r>
-            <a:r>
-              <a:rPr lang="en-US" sz="2400" dirty="0" smtClean="0">
-                <a:latin typeface="Courier New" panose="02070309020205020404" pitchFamily="49" charset="0"/>
-                <a:cs typeface="Courier New" panose="02070309020205020404" pitchFamily="49" charset="0"/>
-              </a:rPr>
-              <a:t>,“%</a:t>
+              <a:t> ,“%</a:t>
             </a:r>
             <a:r>
               <a:rPr lang="en-US" sz="2400" dirty="0" err="1" smtClean="0">
@@ -4630,11 +4608,7 @@
             </a:r>
             <a:r>
               <a:rPr lang="en-US" sz="2400" dirty="0" smtClean="0"/>
-              <a:t>is </a:t>
-            </a:r>
-            <a:r>
-              <a:rPr lang="en-US" sz="2400" dirty="0" smtClean="0"/>
-              <a:t>related to the file we wish to print to</a:t>
+              <a:t>is related to the file we wish to print to</a:t>
             </a:r>
           </a:p>
           <a:p>
@@ -4655,11 +4629,7 @@
             </a:r>
             <a:r>
               <a:rPr lang="en-US" sz="2400" dirty="0" smtClean="0"/>
-              <a:t>is </a:t>
-            </a:r>
-            <a:r>
-              <a:rPr lang="en-US" sz="2400" dirty="0" smtClean="0"/>
-              <a:t>called a </a:t>
+              <a:t>is called a </a:t>
             </a:r>
             <a:r>
               <a:rPr lang="en-US" sz="2400" b="1" dirty="0" smtClean="0"/>
@@ -5162,9 +5132,6 @@
               </a:rPr>
               <a:t>Use for writing:</a:t>
             </a:r>
-            <a:endParaRPr lang="en-US" sz="2400" dirty="0" smtClean="0">
-              <a:cs typeface="Courier New" panose="02070309020205020404" pitchFamily="49" charset="0"/>
-            </a:endParaRPr>
           </a:p>
           <a:p>
             <a:pPr marL="0" indent="0">
@@ -5475,11 +5442,7 @@
             </a:r>
             <a:r>
               <a:rPr lang="en-US" sz="2400" dirty="0" smtClean="0"/>
-              <a:t> is a string with </a:t>
-            </a:r>
-            <a:r>
-              <a:rPr lang="en-US" sz="2400" dirty="0" smtClean="0"/>
-              <a:t>one of </a:t>
+              <a:t> is a string with one of </a:t>
             </a:r>
           </a:p>
           <a:p>
@@ -5492,14 +5455,7 @@
                 <a:latin typeface="Courier New" panose="02070309020205020404" pitchFamily="49" charset="0"/>
                 <a:cs typeface="Courier New" panose="02070309020205020404" pitchFamily="49" charset="0"/>
               </a:rPr>
-              <a:t>r</a:t>
-            </a:r>
-            <a:r>
-              <a:rPr lang="en-US" sz="2400" i="1" dirty="0" smtClean="0">
-                <a:latin typeface="Courier New" panose="02070309020205020404" pitchFamily="49" charset="0"/>
-                <a:cs typeface="Courier New" panose="02070309020205020404" pitchFamily="49" charset="0"/>
-              </a:rPr>
-              <a:t>,  w,  a, </a:t>
+              <a:t>r,  w,  a, </a:t>
             </a:r>
             <a:br>
               <a:rPr lang="en-US" sz="2400" i="1" dirty="0" smtClean="0">
@@ -5534,13 +5490,7 @@
               <a:rPr lang="en-US" sz="2400" i="1" dirty="0" smtClean="0">
                 <a:cs typeface="Courier New" panose="02070309020205020404" pitchFamily="49" charset="0"/>
               </a:rPr>
-              <a:t>create a file if it doesn’t </a:t>
-            </a:r>
-            <a:r>
-              <a:rPr lang="en-US" sz="2400" i="1" dirty="0" smtClean="0">
-                <a:cs typeface="Courier New" panose="02070309020205020404" pitchFamily="49" charset="0"/>
-              </a:rPr>
-              <a:t>already exist</a:t>
+              <a:t>create a file if it doesn’t already exist</a:t>
             </a:r>
             <a:endParaRPr lang="en-US" sz="2400" i="1" dirty="0">
               <a:cs typeface="Courier New" panose="02070309020205020404" pitchFamily="49" charset="0"/>
@@ -5937,7 +5887,163 @@
               </a:rPr>
               <a:t>Use for reading:</a:t>
             </a:r>
-            <a:endParaRPr lang="en-US" sz="2400" dirty="0" smtClean="0">
+          </a:p>
+          <a:p>
+            <a:pPr marL="0" indent="0">
+              <a:buNone/>
+            </a:pPr>
+            <a:r>
+              <a:rPr lang="en-US" sz="2400" dirty="0" smtClean="0">
+                <a:latin typeface="Courier New" panose="02070309020205020404" pitchFamily="49" charset="0"/>
+                <a:cs typeface="Courier New" panose="02070309020205020404" pitchFamily="49" charset="0"/>
+              </a:rPr>
+              <a:t>char a[10];</a:t>
+            </a:r>
+            <a:br>
+              <a:rPr lang="en-US" sz="2400" dirty="0" smtClean="0">
+                <a:latin typeface="Courier New" panose="02070309020205020404" pitchFamily="49" charset="0"/>
+                <a:cs typeface="Courier New" panose="02070309020205020404" pitchFamily="49" charset="0"/>
+              </a:rPr>
+            </a:br>
+            <a:r>
+              <a:rPr lang="en-US" sz="2400" b="1" dirty="0" smtClean="0">
+                <a:latin typeface="Courier New" panose="02070309020205020404" pitchFamily="49" charset="0"/>
+                <a:cs typeface="Courier New" panose="02070309020205020404" pitchFamily="49" charset="0"/>
+              </a:rPr>
+              <a:t>FILE *f</a:t>
+            </a:r>
+            <a:r>
+              <a:rPr lang="en-US" sz="2400" dirty="0" smtClean="0">
+                <a:latin typeface="Courier New" panose="02070309020205020404" pitchFamily="49" charset="0"/>
+                <a:cs typeface="Courier New" panose="02070309020205020404" pitchFamily="49" charset="0"/>
+              </a:rPr>
+              <a:t>;</a:t>
+            </a:r>
+            <a:br>
+              <a:rPr lang="en-US" sz="2400" dirty="0" smtClean="0">
+                <a:latin typeface="Courier New" panose="02070309020205020404" pitchFamily="49" charset="0"/>
+                <a:cs typeface="Courier New" panose="02070309020205020404" pitchFamily="49" charset="0"/>
+              </a:rPr>
+            </a:br>
+            <a:r>
+              <a:rPr lang="en-US" sz="2400" dirty="0" smtClean="0">
+                <a:latin typeface="Courier New" panose="02070309020205020404" pitchFamily="49" charset="0"/>
+                <a:cs typeface="Courier New" panose="02070309020205020404" pitchFamily="49" charset="0"/>
+              </a:rPr>
+              <a:t/>
+            </a:r>
+            <a:br>
+              <a:rPr lang="en-US" sz="2400" dirty="0" smtClean="0">
+                <a:latin typeface="Courier New" panose="02070309020205020404" pitchFamily="49" charset="0"/>
+                <a:cs typeface="Courier New" panose="02070309020205020404" pitchFamily="49" charset="0"/>
+              </a:rPr>
+            </a:br>
+            <a:r>
+              <a:rPr lang="en-US" sz="2400" b="1" dirty="0" smtClean="0">
+                <a:latin typeface="Courier New" panose="02070309020205020404" pitchFamily="49" charset="0"/>
+                <a:cs typeface="Courier New" panose="02070309020205020404" pitchFamily="49" charset="0"/>
+              </a:rPr>
+              <a:t>f</a:t>
+            </a:r>
+            <a:r>
+              <a:rPr lang="en-US" sz="2400" dirty="0" smtClean="0">
+                <a:latin typeface="Courier New" panose="02070309020205020404" pitchFamily="49" charset="0"/>
+                <a:cs typeface="Courier New" panose="02070309020205020404" pitchFamily="49" charset="0"/>
+              </a:rPr>
+              <a:t> = </a:t>
+            </a:r>
+            <a:r>
+              <a:rPr lang="en-US" sz="2400" dirty="0" err="1" smtClean="0">
+                <a:latin typeface="Courier New" panose="02070309020205020404" pitchFamily="49" charset="0"/>
+                <a:cs typeface="Courier New" panose="02070309020205020404" pitchFamily="49" charset="0"/>
+              </a:rPr>
+              <a:t>fopen</a:t>
+            </a:r>
+            <a:r>
+              <a:rPr lang="en-US" sz="2400" dirty="0" smtClean="0">
+                <a:latin typeface="Courier New" panose="02070309020205020404" pitchFamily="49" charset="0"/>
+                <a:cs typeface="Courier New" panose="02070309020205020404" pitchFamily="49" charset="0"/>
+              </a:rPr>
+              <a:t>(“</a:t>
+            </a:r>
+            <a:r>
+              <a:rPr lang="en-US" sz="2400" dirty="0" err="1" smtClean="0">
+                <a:latin typeface="Courier New" panose="02070309020205020404" pitchFamily="49" charset="0"/>
+                <a:cs typeface="Courier New" panose="02070309020205020404" pitchFamily="49" charset="0"/>
+              </a:rPr>
+              <a:t>myfile</a:t>
+            </a:r>
+            <a:r>
+              <a:rPr lang="en-US" sz="2400" dirty="0" smtClean="0">
+                <a:latin typeface="Courier New" panose="02070309020205020404" pitchFamily="49" charset="0"/>
+                <a:cs typeface="Courier New" panose="02070309020205020404" pitchFamily="49" charset="0"/>
+              </a:rPr>
+              <a:t>”,”r”);</a:t>
+            </a:r>
+            <a:br>
+              <a:rPr lang="en-US" sz="2400" dirty="0" smtClean="0">
+                <a:latin typeface="Courier New" panose="02070309020205020404" pitchFamily="49" charset="0"/>
+                <a:cs typeface="Courier New" panose="02070309020205020404" pitchFamily="49" charset="0"/>
+              </a:rPr>
+            </a:br>
+            <a:r>
+              <a:rPr lang="en-US" sz="2400" dirty="0" smtClean="0">
+                <a:latin typeface="Courier New" panose="02070309020205020404" pitchFamily="49" charset="0"/>
+                <a:cs typeface="Courier New" panose="02070309020205020404" pitchFamily="49" charset="0"/>
+              </a:rPr>
+              <a:t>r </a:t>
+            </a:r>
+            <a:r>
+              <a:rPr lang="en-US" sz="2400" dirty="0">
+                <a:latin typeface="Courier New" panose="02070309020205020404" pitchFamily="49" charset="0"/>
+                <a:cs typeface="Courier New" panose="02070309020205020404" pitchFamily="49" charset="0"/>
+              </a:rPr>
+              <a:t>= </a:t>
+            </a:r>
+            <a:r>
+              <a:rPr lang="en-US" sz="2400" dirty="0" err="1">
+                <a:latin typeface="Courier New" panose="02070309020205020404" pitchFamily="49" charset="0"/>
+                <a:cs typeface="Courier New" panose="02070309020205020404" pitchFamily="49" charset="0"/>
+              </a:rPr>
+              <a:t>fscanf</a:t>
+            </a:r>
+            <a:r>
+              <a:rPr lang="en-US" sz="2400" dirty="0">
+                <a:latin typeface="Courier New" panose="02070309020205020404" pitchFamily="49" charset="0"/>
+                <a:cs typeface="Courier New" panose="02070309020205020404" pitchFamily="49" charset="0"/>
+              </a:rPr>
+              <a:t>( </a:t>
+            </a:r>
+            <a:r>
+              <a:rPr lang="en-US" sz="2400" b="1" dirty="0">
+                <a:latin typeface="Courier New" panose="02070309020205020404" pitchFamily="49" charset="0"/>
+                <a:cs typeface="Courier New" panose="02070309020205020404" pitchFamily="49" charset="0"/>
+              </a:rPr>
+              <a:t>f</a:t>
+            </a:r>
+            <a:r>
+              <a:rPr lang="en-US" sz="2400" dirty="0">
+                <a:latin typeface="Courier New" panose="02070309020205020404" pitchFamily="49" charset="0"/>
+                <a:cs typeface="Courier New" panose="02070309020205020404" pitchFamily="49" charset="0"/>
+              </a:rPr>
+              <a:t> ,“%</a:t>
+            </a:r>
+            <a:r>
+              <a:rPr lang="en-US" sz="2400" dirty="0" err="1">
+                <a:latin typeface="Courier New" panose="02070309020205020404" pitchFamily="49" charset="0"/>
+                <a:cs typeface="Courier New" panose="02070309020205020404" pitchFamily="49" charset="0"/>
+              </a:rPr>
+              <a:t>s”,a</a:t>
+            </a:r>
+            <a:r>
+              <a:rPr lang="en-US" sz="2400" dirty="0" smtClean="0">
+                <a:latin typeface="Courier New" panose="02070309020205020404" pitchFamily="49" charset="0"/>
+                <a:cs typeface="Courier New" panose="02070309020205020404" pitchFamily="49" charset="0"/>
+              </a:rPr>
+              <a:t>);</a:t>
+            </a:r>
+            <a:endParaRPr lang="en-US" sz="2400" dirty="0">
+              <a:latin typeface="Courier New" panose="02070309020205020404" pitchFamily="49" charset="0"/>
               <a:cs typeface="Courier New" panose="02070309020205020404" pitchFamily="49" charset="0"/>
             </a:endParaRPr>
           </a:p>
@@ -5950,7 +6056,14 @@
                 <a:latin typeface="Courier New" panose="02070309020205020404" pitchFamily="49" charset="0"/>
                 <a:cs typeface="Courier New" panose="02070309020205020404" pitchFamily="49" charset="0"/>
               </a:rPr>
-              <a:t>char a[10];</a:t>
+              <a:t>while( r != EOF) {</a:t>
+            </a:r>
+            <a:r>
+              <a:rPr lang="en-US" sz="2400" dirty="0" smtClean="0">
+                <a:latin typeface="Courier New" panose="02070309020205020404" pitchFamily="49" charset="0"/>
+                <a:cs typeface="Courier New" panose="02070309020205020404" pitchFamily="49" charset="0"/>
+              </a:rPr>
+              <a:t/>
             </a:r>
             <a:br>
               <a:rPr lang="en-US" sz="2400" dirty="0" smtClean="0">
@@ -5959,18 +6072,53 @@
               </a:rPr>
             </a:br>
             <a:r>
-              <a:rPr lang="en-US" sz="2400" b="1" dirty="0" smtClean="0">
-                <a:latin typeface="Courier New" panose="02070309020205020404" pitchFamily="49" charset="0"/>
-                <a:cs typeface="Courier New" panose="02070309020205020404" pitchFamily="49" charset="0"/>
-              </a:rPr>
-              <a:t>FILE *f</a:t>
-            </a:r>
-            <a:r>
-              <a:rPr lang="en-US" sz="2400" dirty="0" smtClean="0">
-                <a:latin typeface="Courier New" panose="02070309020205020404" pitchFamily="49" charset="0"/>
-                <a:cs typeface="Courier New" panose="02070309020205020404" pitchFamily="49" charset="0"/>
-              </a:rPr>
-              <a:t>;</a:t>
+              <a:rPr lang="en-US" sz="2400" dirty="0" smtClean="0">
+                <a:latin typeface="Courier New" panose="02070309020205020404" pitchFamily="49" charset="0"/>
+                <a:cs typeface="Courier New" panose="02070309020205020404" pitchFamily="49" charset="0"/>
+              </a:rPr>
+              <a:t>   </a:t>
+            </a:r>
+            <a:r>
+              <a:rPr lang="en-US" sz="2400" dirty="0" err="1" smtClean="0">
+                <a:latin typeface="Courier New" panose="02070309020205020404" pitchFamily="49" charset="0"/>
+                <a:cs typeface="Courier New" panose="02070309020205020404" pitchFamily="49" charset="0"/>
+              </a:rPr>
+              <a:t>printf</a:t>
+            </a:r>
+            <a:r>
+              <a:rPr lang="en-US" sz="2400" dirty="0" smtClean="0">
+                <a:latin typeface="Courier New" panose="02070309020205020404" pitchFamily="49" charset="0"/>
+                <a:cs typeface="Courier New" panose="02070309020205020404" pitchFamily="49" charset="0"/>
+              </a:rPr>
+              <a:t>(“%</a:t>
+            </a:r>
+            <a:r>
+              <a:rPr lang="en-US" sz="2400" dirty="0" smtClean="0">
+                <a:latin typeface="Courier New" panose="02070309020205020404" pitchFamily="49" charset="0"/>
+                <a:cs typeface="Courier New" panose="02070309020205020404" pitchFamily="49" charset="0"/>
+              </a:rPr>
+              <a:t>s\</a:t>
+            </a:r>
+            <a:r>
+              <a:rPr lang="en-US" sz="2400" dirty="0" err="1" smtClean="0">
+                <a:latin typeface="Courier New" panose="02070309020205020404" pitchFamily="49" charset="0"/>
+                <a:cs typeface="Courier New" panose="02070309020205020404" pitchFamily="49" charset="0"/>
+              </a:rPr>
+              <a:t>n”,</a:t>
+            </a:r>
+            <a:r>
+              <a:rPr lang="en-US" sz="2400" dirty="0" err="1" smtClean="0">
+                <a:latin typeface="Courier New" panose="02070309020205020404" pitchFamily="49" charset="0"/>
+                <a:cs typeface="Courier New" panose="02070309020205020404" pitchFamily="49" charset="0"/>
+              </a:rPr>
+              <a:t>a</a:t>
+            </a:r>
+            <a:r>
+              <a:rPr lang="en-US" sz="2400" dirty="0" smtClean="0">
+                <a:latin typeface="Courier New" panose="02070309020205020404" pitchFamily="49" charset="0"/>
+                <a:cs typeface="Courier New" panose="02070309020205020404" pitchFamily="49" charset="0"/>
+              </a:rPr>
+              <a:t>);</a:t>
             </a:r>
             <a:br>
               <a:rPr lang="en-US" sz="2400" dirty="0" smtClean="0">
@@ -5983,189 +6131,86 @@
                 <a:latin typeface="Courier New" panose="02070309020205020404" pitchFamily="49" charset="0"/>
                 <a:cs typeface="Courier New" panose="02070309020205020404" pitchFamily="49" charset="0"/>
               </a:rPr>
+              <a:t>   </a:t>
+            </a:r>
+            <a:r>
+              <a:rPr lang="en-US" sz="2400" dirty="0" smtClean="0">
+                <a:latin typeface="Courier New" panose="02070309020205020404" pitchFamily="49" charset="0"/>
+                <a:cs typeface="Courier New" panose="02070309020205020404" pitchFamily="49" charset="0"/>
+              </a:rPr>
+              <a:t>r </a:t>
+            </a:r>
+            <a:r>
+              <a:rPr lang="en-US" sz="2400" dirty="0">
+                <a:latin typeface="Courier New" panose="02070309020205020404" pitchFamily="49" charset="0"/>
+                <a:cs typeface="Courier New" panose="02070309020205020404" pitchFamily="49" charset="0"/>
+              </a:rPr>
+              <a:t>= </a:t>
+            </a:r>
+            <a:r>
+              <a:rPr lang="en-US" sz="2400" dirty="0" err="1">
+                <a:latin typeface="Courier New" panose="02070309020205020404" pitchFamily="49" charset="0"/>
+                <a:cs typeface="Courier New" panose="02070309020205020404" pitchFamily="49" charset="0"/>
+              </a:rPr>
+              <a:t>fscanf</a:t>
+            </a:r>
+            <a:r>
+              <a:rPr lang="en-US" sz="2400" dirty="0">
+                <a:latin typeface="Courier New" panose="02070309020205020404" pitchFamily="49" charset="0"/>
+                <a:cs typeface="Courier New" panose="02070309020205020404" pitchFamily="49" charset="0"/>
+              </a:rPr>
+              <a:t>( </a:t>
+            </a:r>
+            <a:r>
+              <a:rPr lang="en-US" sz="2400" b="1" dirty="0">
+                <a:latin typeface="Courier New" panose="02070309020205020404" pitchFamily="49" charset="0"/>
+                <a:cs typeface="Courier New" panose="02070309020205020404" pitchFamily="49" charset="0"/>
+              </a:rPr>
+              <a:t>f</a:t>
+            </a:r>
+            <a:r>
+              <a:rPr lang="en-US" sz="2400" dirty="0">
+                <a:latin typeface="Courier New" panose="02070309020205020404" pitchFamily="49" charset="0"/>
+                <a:cs typeface="Courier New" panose="02070309020205020404" pitchFamily="49" charset="0"/>
+              </a:rPr>
+              <a:t> ,“%</a:t>
+            </a:r>
+            <a:r>
+              <a:rPr lang="en-US" sz="2400" dirty="0" err="1">
+                <a:latin typeface="Courier New" panose="02070309020205020404" pitchFamily="49" charset="0"/>
+                <a:cs typeface="Courier New" panose="02070309020205020404" pitchFamily="49" charset="0"/>
+              </a:rPr>
+              <a:t>s”,a</a:t>
+            </a:r>
+            <a:r>
+              <a:rPr lang="en-US" sz="2400" dirty="0">
+                <a:latin typeface="Courier New" panose="02070309020205020404" pitchFamily="49" charset="0"/>
+                <a:cs typeface="Courier New" panose="02070309020205020404" pitchFamily="49" charset="0"/>
+              </a:rPr>
+              <a:t>);</a:t>
+            </a:r>
+            <a:endParaRPr lang="en-US" sz="2400" dirty="0" smtClean="0">
+              <a:latin typeface="Courier New" panose="02070309020205020404" pitchFamily="49" charset="0"/>
+              <a:cs typeface="Courier New" panose="02070309020205020404" pitchFamily="49" charset="0"/>
+            </a:endParaRPr>
+          </a:p>
+          <a:p>
+            <a:pPr marL="0" indent="0">
+              <a:buNone/>
+            </a:pPr>
+            <a:r>
+              <a:rPr lang="en-US" sz="2400" dirty="0" smtClean="0">
+                <a:latin typeface="Courier New" panose="02070309020205020404" pitchFamily="49" charset="0"/>
+                <a:cs typeface="Courier New" panose="02070309020205020404" pitchFamily="49" charset="0"/>
+              </a:rPr>
+              <a:t>}</a:t>
+            </a:r>
+            <a:r>
+              <a:rPr lang="en-US" sz="2400" dirty="0" smtClean="0">
+                <a:latin typeface="Courier New" panose="02070309020205020404" pitchFamily="49" charset="0"/>
+                <a:cs typeface="Courier New" panose="02070309020205020404" pitchFamily="49" charset="0"/>
+              </a:rPr>
               <a:t/>
-            </a:r>
-            <a:br>
-              <a:rPr lang="en-US" sz="2400" dirty="0" smtClean="0">
-                <a:latin typeface="Courier New" panose="02070309020205020404" pitchFamily="49" charset="0"/>
-                <a:cs typeface="Courier New" panose="02070309020205020404" pitchFamily="49" charset="0"/>
-              </a:rPr>
-            </a:br>
-            <a:r>
-              <a:rPr lang="en-US" sz="2400" b="1" dirty="0" smtClean="0">
-                <a:latin typeface="Courier New" panose="02070309020205020404" pitchFamily="49" charset="0"/>
-                <a:cs typeface="Courier New" panose="02070309020205020404" pitchFamily="49" charset="0"/>
-              </a:rPr>
-              <a:t>f</a:t>
-            </a:r>
-            <a:r>
-              <a:rPr lang="en-US" sz="2400" dirty="0" smtClean="0">
-                <a:latin typeface="Courier New" panose="02070309020205020404" pitchFamily="49" charset="0"/>
-                <a:cs typeface="Courier New" panose="02070309020205020404" pitchFamily="49" charset="0"/>
-              </a:rPr>
-              <a:t> = </a:t>
-            </a:r>
-            <a:r>
-              <a:rPr lang="en-US" sz="2400" dirty="0" err="1" smtClean="0">
-                <a:latin typeface="Courier New" panose="02070309020205020404" pitchFamily="49" charset="0"/>
-                <a:cs typeface="Courier New" panose="02070309020205020404" pitchFamily="49" charset="0"/>
-              </a:rPr>
-              <a:t>fopen</a:t>
-            </a:r>
-            <a:r>
-              <a:rPr lang="en-US" sz="2400" dirty="0" smtClean="0">
-                <a:latin typeface="Courier New" panose="02070309020205020404" pitchFamily="49" charset="0"/>
-                <a:cs typeface="Courier New" panose="02070309020205020404" pitchFamily="49" charset="0"/>
-              </a:rPr>
-              <a:t>(“</a:t>
-            </a:r>
-            <a:r>
-              <a:rPr lang="en-US" sz="2400" dirty="0" err="1" smtClean="0">
-                <a:latin typeface="Courier New" panose="02070309020205020404" pitchFamily="49" charset="0"/>
-                <a:cs typeface="Courier New" panose="02070309020205020404" pitchFamily="49" charset="0"/>
-              </a:rPr>
-              <a:t>myfile</a:t>
-            </a:r>
-            <a:r>
-              <a:rPr lang="en-US" sz="2400" dirty="0" smtClean="0">
-                <a:latin typeface="Courier New" panose="02070309020205020404" pitchFamily="49" charset="0"/>
-                <a:cs typeface="Courier New" panose="02070309020205020404" pitchFamily="49" charset="0"/>
-              </a:rPr>
-              <a:t>”,”r”);</a:t>
-            </a:r>
-            <a:br>
-              <a:rPr lang="en-US" sz="2400" dirty="0" smtClean="0">
-                <a:latin typeface="Courier New" panose="02070309020205020404" pitchFamily="49" charset="0"/>
-                <a:cs typeface="Courier New" panose="02070309020205020404" pitchFamily="49" charset="0"/>
-              </a:rPr>
-            </a:br>
-            <a:r>
-              <a:rPr lang="en-US" sz="2400" dirty="0" smtClean="0">
-                <a:latin typeface="Courier New" panose="02070309020205020404" pitchFamily="49" charset="0"/>
-                <a:cs typeface="Courier New" panose="02070309020205020404" pitchFamily="49" charset="0"/>
-              </a:rPr>
-              <a:t/>
-            </a:r>
-            <a:br>
-              <a:rPr lang="en-US" sz="2400" dirty="0" smtClean="0">
-                <a:latin typeface="Courier New" panose="02070309020205020404" pitchFamily="49" charset="0"/>
-                <a:cs typeface="Courier New" panose="02070309020205020404" pitchFamily="49" charset="0"/>
-              </a:rPr>
-            </a:br>
-            <a:r>
-              <a:rPr lang="en-US" sz="2400" dirty="0" smtClean="0">
-                <a:latin typeface="Courier New" panose="02070309020205020404" pitchFamily="49" charset="0"/>
-                <a:cs typeface="Courier New" panose="02070309020205020404" pitchFamily="49" charset="0"/>
-              </a:rPr>
-              <a:t>do {</a:t>
-            </a:r>
-            <a:br>
-              <a:rPr lang="en-US" sz="2400" dirty="0" smtClean="0">
-                <a:latin typeface="Courier New" panose="02070309020205020404" pitchFamily="49" charset="0"/>
-                <a:cs typeface="Courier New" panose="02070309020205020404" pitchFamily="49" charset="0"/>
-              </a:rPr>
-            </a:br>
-            <a:r>
-              <a:rPr lang="en-US" sz="2400" dirty="0" smtClean="0">
-                <a:latin typeface="Courier New" panose="02070309020205020404" pitchFamily="49" charset="0"/>
-                <a:cs typeface="Courier New" panose="02070309020205020404" pitchFamily="49" charset="0"/>
-              </a:rPr>
-              <a:t>  r = </a:t>
-            </a:r>
-            <a:r>
-              <a:rPr lang="en-US" sz="2400" dirty="0" err="1" smtClean="0">
-                <a:latin typeface="Courier New" panose="02070309020205020404" pitchFamily="49" charset="0"/>
-                <a:cs typeface="Courier New" panose="02070309020205020404" pitchFamily="49" charset="0"/>
-              </a:rPr>
-              <a:t>fscanf</a:t>
-            </a:r>
-            <a:r>
-              <a:rPr lang="en-US" sz="2400" dirty="0" smtClean="0">
-                <a:latin typeface="Courier New" panose="02070309020205020404" pitchFamily="49" charset="0"/>
-                <a:cs typeface="Courier New" panose="02070309020205020404" pitchFamily="49" charset="0"/>
-              </a:rPr>
-              <a:t>( </a:t>
-            </a:r>
-            <a:r>
-              <a:rPr lang="en-US" sz="2400" b="1" dirty="0" smtClean="0">
-                <a:latin typeface="Courier New" panose="02070309020205020404" pitchFamily="49" charset="0"/>
-                <a:cs typeface="Courier New" panose="02070309020205020404" pitchFamily="49" charset="0"/>
-              </a:rPr>
-              <a:t>f</a:t>
-            </a:r>
-            <a:r>
-              <a:rPr lang="en-US" sz="2400" dirty="0" smtClean="0">
-                <a:latin typeface="Courier New" panose="02070309020205020404" pitchFamily="49" charset="0"/>
-                <a:cs typeface="Courier New" panose="02070309020205020404" pitchFamily="49" charset="0"/>
-              </a:rPr>
-              <a:t> ,“%</a:t>
-            </a:r>
-            <a:r>
-              <a:rPr lang="en-US" sz="2400" dirty="0" err="1" smtClean="0">
-                <a:latin typeface="Courier New" panose="02070309020205020404" pitchFamily="49" charset="0"/>
-                <a:cs typeface="Courier New" panose="02070309020205020404" pitchFamily="49" charset="0"/>
-              </a:rPr>
-              <a:t>s”,a</a:t>
-            </a:r>
-            <a:r>
-              <a:rPr lang="en-US" sz="2400" dirty="0" smtClean="0">
-                <a:latin typeface="Courier New" panose="02070309020205020404" pitchFamily="49" charset="0"/>
-                <a:cs typeface="Courier New" panose="02070309020205020404" pitchFamily="49" charset="0"/>
-              </a:rPr>
-              <a:t>);</a:t>
-            </a:r>
-            <a:br>
-              <a:rPr lang="en-US" sz="2400" dirty="0" smtClean="0">
-                <a:latin typeface="Courier New" panose="02070309020205020404" pitchFamily="49" charset="0"/>
-                <a:cs typeface="Courier New" panose="02070309020205020404" pitchFamily="49" charset="0"/>
-              </a:rPr>
-            </a:br>
-            <a:r>
-              <a:rPr lang="en-US" sz="2400" dirty="0" smtClean="0">
-                <a:latin typeface="Courier New" panose="02070309020205020404" pitchFamily="49" charset="0"/>
-                <a:cs typeface="Courier New" panose="02070309020205020404" pitchFamily="49" charset="0"/>
-              </a:rPr>
-              <a:t>  </a:t>
-            </a:r>
-            <a:r>
-              <a:rPr lang="en-US" sz="2400" dirty="0" err="1" smtClean="0">
-                <a:latin typeface="Courier New" panose="02070309020205020404" pitchFamily="49" charset="0"/>
-                <a:cs typeface="Courier New" panose="02070309020205020404" pitchFamily="49" charset="0"/>
-              </a:rPr>
-              <a:t>printf</a:t>
-            </a:r>
-            <a:r>
-              <a:rPr lang="en-US" sz="2400" dirty="0" smtClean="0">
-                <a:latin typeface="Courier New" panose="02070309020205020404" pitchFamily="49" charset="0"/>
-                <a:cs typeface="Courier New" panose="02070309020205020404" pitchFamily="49" charset="0"/>
-              </a:rPr>
-              <a:t>(“%</a:t>
-            </a:r>
-            <a:r>
-              <a:rPr lang="en-US" sz="2400" dirty="0" err="1" smtClean="0">
-                <a:latin typeface="Courier New" panose="02070309020205020404" pitchFamily="49" charset="0"/>
-                <a:cs typeface="Courier New" panose="02070309020205020404" pitchFamily="49" charset="0"/>
-              </a:rPr>
-              <a:t>s”,a</a:t>
-            </a:r>
-            <a:r>
-              <a:rPr lang="en-US" sz="2400" dirty="0" smtClean="0">
-                <a:latin typeface="Courier New" panose="02070309020205020404" pitchFamily="49" charset="0"/>
-                <a:cs typeface="Courier New" panose="02070309020205020404" pitchFamily="49" charset="0"/>
-              </a:rPr>
-              <a:t>);</a:t>
-            </a:r>
-          </a:p>
-          <a:p>
-            <a:pPr marL="0" indent="0">
-              <a:buNone/>
-            </a:pPr>
-            <a:r>
-              <a:rPr lang="en-US" sz="2400" dirty="0" smtClean="0">
-                <a:latin typeface="Courier New" panose="02070309020205020404" pitchFamily="49" charset="0"/>
-                <a:cs typeface="Courier New" panose="02070309020205020404" pitchFamily="49" charset="0"/>
-              </a:rPr>
-              <a:t>} while ( r != EOF);</a:t>
             </a:r>
             <a:br>
               <a:rPr lang="en-US" sz="2400" dirty="0" smtClean="0">
@@ -6529,6 +6574,13 @@
   <p:clrMapOvr>
     <a:masterClrMapping/>
   </p:clrMapOvr>
+  <p:timing>
+    <p:tnLst>
+      <p:par>
+        <p:cTn id="1" dur="indefinite" restart="never" nodeType="tmRoot"/>
+      </p:par>
+    </p:tnLst>
+  </p:timing>
 </p:sld>
 </file>
 
